--- a/W05/W05_03_imdb.pptx
+++ b/W05/W05_03_imdb.pptx
@@ -265,7 +265,7 @@
   </p:defaultTextStyle>
   <p:extLst>
     <p:ext uri="{EFAFB233-063F-42B5-8137-9DF3F51BA10A}">
-      <p15:sldGuideLst xmlns:ahyp="http://schemas.microsoft.com/office/drawing/2018/hyperlinkcolor" xmlns:p15="http://schemas.microsoft.com/office/powerpoint/2012/main" xmlns:p14="http://schemas.microsoft.com/office/powerpoint/2010/main" xmlns:com="http://schemas.openxmlformats.org/drawingml/2006/compatibility" xmlns:pvml="urn:schemas-microsoft-com:office:powerpoint" xmlns:v="urn:schemas-microsoft-com:vml" xmlns:o="urn:schemas-microsoft-com:office:office" xmlns:dgm="http://schemas.openxmlformats.org/drawingml/2006/diagram" xmlns:c="http://schemas.openxmlformats.org/drawingml/2006/chart" xmlns:mv="urn:schemas-microsoft-com:mac:vml" xmlns:mc="http://schemas.openxmlformats.org/markup-compatibility/2006" xmlns="">
+      <p15:sldGuideLst xmlns="" xmlns:mc="http://schemas.openxmlformats.org/markup-compatibility/2006" xmlns:mv="urn:schemas-microsoft-com:mac:vml" xmlns:c="http://schemas.openxmlformats.org/drawingml/2006/chart" xmlns:dgm="http://schemas.openxmlformats.org/drawingml/2006/diagram" xmlns:o="urn:schemas-microsoft-com:office:office" xmlns:v="urn:schemas-microsoft-com:vml" xmlns:pvml="urn:schemas-microsoft-com:office:powerpoint" xmlns:com="http://schemas.openxmlformats.org/drawingml/2006/compatibility" xmlns:p14="http://schemas.microsoft.com/office/powerpoint/2010/main" xmlns:p15="http://schemas.microsoft.com/office/powerpoint/2012/main" xmlns:ahyp="http://schemas.microsoft.com/office/drawing/2018/hyperlinkcolor">
         <p15:guide id="1" orient="horz" pos="2160">
           <p15:clr>
             <a:srgbClr val="000000"/>
@@ -11973,15 +11973,7 @@
           <a:p>
             <a:r>
               <a:rPr lang="zh-TW" altLang="en-US" dirty="0" smtClean="0"/>
-              <a:t>訓</a:t>
-            </a:r>
-            <a:r>
-              <a:rPr lang="zh-TW" altLang="en-US" dirty="0" smtClean="0"/>
-              <a:t>練</a:t>
-            </a:r>
-            <a:r>
-              <a:rPr lang="zh-TW" altLang="en-US" dirty="0" smtClean="0"/>
-              <a:t>過程加入驗證</a:t>
+              <a:t>訓練過程加入驗證</a:t>
             </a:r>
             <a:endParaRPr lang="zh-TW" altLang="en-US" dirty="0"/>
           </a:p>
@@ -13040,7 +13032,11 @@
           <a:bodyPr/>
           <a:lstStyle/>
           <a:p>
-            <a:endParaRPr lang="zh-TW" altLang="en-US"/>
+            <a:r>
+              <a:rPr lang="zh-TW" altLang="en-US" dirty="0" smtClean="0"/>
+              <a:t>補充</a:t>
+            </a:r>
+            <a:endParaRPr lang="zh-TW" altLang="en-US" dirty="0"/>
           </a:p>
         </p:txBody>
       </p:sp>
@@ -13059,10 +13055,137 @@
           <a:bodyPr/>
           <a:lstStyle/>
           <a:p>
-            <a:endParaRPr lang="zh-TW" altLang="en-US"/>
+            <a:r>
+              <a:rPr lang="zh-TW" altLang="en-US" dirty="0" smtClean="0"/>
+              <a:t>為何要 </a:t>
+            </a:r>
+            <a:r>
+              <a:rPr lang="en-US" altLang="zh-TW" dirty="0" smtClean="0"/>
+              <a:t>-3</a:t>
+            </a:r>
+          </a:p>
+          <a:p>
+            <a:endParaRPr lang="en-US" altLang="zh-TW" dirty="0" smtClean="0"/>
+          </a:p>
+          <a:p>
+            <a:endParaRPr lang="en-US" altLang="zh-TW" dirty="0" smtClean="0"/>
+          </a:p>
+          <a:p>
+            <a:r>
+              <a:rPr lang="zh-TW" altLang="en-US" dirty="0" smtClean="0"/>
+              <a:t>因為</a:t>
+            </a:r>
+            <a:r>
+              <a:rPr lang="en-US" altLang="zh-TW" dirty="0" err="1" smtClean="0"/>
+              <a:t>index_from</a:t>
+            </a:r>
+            <a:r>
+              <a:rPr lang="en-US" altLang="zh-TW" dirty="0" smtClean="0"/>
+              <a:t>=3</a:t>
+            </a:r>
+            <a:endParaRPr lang="zh-TW" altLang="en-US" dirty="0"/>
           </a:p>
         </p:txBody>
       </p:sp>
+      <p:pic>
+        <p:nvPicPr>
+          <p:cNvPr id="1026" name="Picture 2"/>
+          <p:cNvPicPr>
+            <a:picLocks noChangeAspect="1" noChangeArrowheads="1"/>
+          </p:cNvPicPr>
+          <p:nvPr/>
+        </p:nvPicPr>
+        <p:blipFill>
+          <a:blip r:embed="rId2"/>
+          <a:srcRect/>
+          <a:stretch>
+            <a:fillRect/>
+          </a:stretch>
+        </p:blipFill>
+        <p:spPr bwMode="auto">
+          <a:xfrm>
+            <a:off x="2573337" y="1503135"/>
+            <a:ext cx="6570663" cy="1181100"/>
+          </a:xfrm>
+          <a:prstGeom prst="rect">
+            <a:avLst/>
+          </a:prstGeom>
+          <a:noFill/>
+          <a:ln w="9525">
+            <a:noFill/>
+            <a:miter lim="800000"/>
+            <a:headEnd/>
+            <a:tailEnd/>
+          </a:ln>
+          <a:effectLst/>
+        </p:spPr>
+      </p:pic>
+      <p:pic>
+        <p:nvPicPr>
+          <p:cNvPr id="1027" name="Picture 3"/>
+          <p:cNvPicPr>
+            <a:picLocks noChangeAspect="1" noChangeArrowheads="1"/>
+          </p:cNvPicPr>
+          <p:nvPr/>
+        </p:nvPicPr>
+        <p:blipFill>
+          <a:blip r:embed="rId3"/>
+          <a:srcRect/>
+          <a:stretch>
+            <a:fillRect/>
+          </a:stretch>
+        </p:blipFill>
+        <p:spPr bwMode="auto">
+          <a:xfrm>
+            <a:off x="4171950" y="3657600"/>
+            <a:ext cx="4972050" cy="3200400"/>
+          </a:xfrm>
+          <a:prstGeom prst="rect">
+            <a:avLst/>
+          </a:prstGeom>
+          <a:noFill/>
+          <a:ln w="9525">
+            <a:noFill/>
+            <a:miter lim="800000"/>
+            <a:headEnd/>
+            <a:tailEnd/>
+          </a:ln>
+          <a:effectLst/>
+        </p:spPr>
+      </p:pic>
+      <p:pic>
+        <p:nvPicPr>
+          <p:cNvPr id="1028" name="Picture 4"/>
+          <p:cNvPicPr>
+            <a:picLocks noChangeAspect="1" noChangeArrowheads="1"/>
+          </p:cNvPicPr>
+          <p:nvPr/>
+        </p:nvPicPr>
+        <p:blipFill>
+          <a:blip r:embed="rId4"/>
+          <a:srcRect/>
+          <a:stretch>
+            <a:fillRect/>
+          </a:stretch>
+        </p:blipFill>
+        <p:spPr bwMode="auto">
+          <a:xfrm>
+            <a:off x="0" y="4600575"/>
+            <a:ext cx="4352925" cy="2257425"/>
+          </a:xfrm>
+          <a:prstGeom prst="rect">
+            <a:avLst/>
+          </a:prstGeom>
+          <a:noFill/>
+          <a:ln w="9525">
+            <a:noFill/>
+            <a:miter lim="800000"/>
+            <a:headEnd/>
+            <a:tailEnd/>
+          </a:ln>
+          <a:effectLst/>
+        </p:spPr>
+      </p:pic>
     </p:spTree>
   </p:cSld>
   <p:clrMapOvr>
